--- a/1　表紙.pptx
+++ b/1　表紙.pptx
@@ -5,7 +5,8 @@
     <p:sldMasterId id="2147483648" r:id="rId1"/>
   </p:sldMasterIdLst>
   <p:sldIdLst>
-    <p:sldId id="256" r:id="rId2"/>
+    <p:sldId id="257" r:id="rId2"/>
+    <p:sldId id="256" r:id="rId3"/>
   </p:sldIdLst>
   <p:sldSz cx="9144000" cy="6858000" type="screen4x3"/>
   <p:notesSz cx="6858000" cy="9144000"/>
@@ -104,6 +105,22 @@
       </a:defRPr>
     </a:lvl9pPr>
   </p:defaultTextStyle>
+  <p:extLst>
+    <p:ext uri="{EFAFB233-063F-42B5-8137-9DF3F51BA10A}">
+      <p15:sldGuideLst xmlns:p15="http://schemas.microsoft.com/office/powerpoint/2012/main">
+        <p15:guide id="1" orient="horz" pos="4020">
+          <p15:clr>
+            <a:srgbClr val="A4A3A4"/>
+          </p15:clr>
+        </p15:guide>
+        <p15:guide id="2" pos="2880">
+          <p15:clr>
+            <a:srgbClr val="A4A3A4"/>
+          </p15:clr>
+        </p15:guide>
+      </p15:sldGuideLst>
+    </p:ext>
+  </p:extLst>
 </p:presentation>
 </file>
 
@@ -288,7 +305,7 @@
           <a:p>
             <a:fld id="{3328CF14-3C22-46AA-BD27-092C3034C246}" type="datetimeFigureOut">
               <a:rPr kumimoji="1" lang="ja-JP" altLang="en-US" smtClean="0"/>
-              <a:t>2018/8/7</a:t>
+              <a:t>2018/9/18</a:t>
             </a:fld>
             <a:endParaRPr kumimoji="1" lang="ja-JP" altLang="en-US"/>
           </a:p>
@@ -490,7 +507,7 @@
           <a:p>
             <a:fld id="{3328CF14-3C22-46AA-BD27-092C3034C246}" type="datetimeFigureOut">
               <a:rPr kumimoji="1" lang="ja-JP" altLang="en-US" smtClean="0"/>
-              <a:t>2018/8/7</a:t>
+              <a:t>2018/9/18</a:t>
             </a:fld>
             <a:endParaRPr kumimoji="1" lang="ja-JP" altLang="en-US"/>
           </a:p>
@@ -702,7 +719,7 @@
           <a:p>
             <a:fld id="{3328CF14-3C22-46AA-BD27-092C3034C246}" type="datetimeFigureOut">
               <a:rPr kumimoji="1" lang="ja-JP" altLang="en-US" smtClean="0"/>
-              <a:t>2018/8/7</a:t>
+              <a:t>2018/9/18</a:t>
             </a:fld>
             <a:endParaRPr kumimoji="1" lang="ja-JP" altLang="en-US"/>
           </a:p>
@@ -904,7 +921,7 @@
           <a:p>
             <a:fld id="{3328CF14-3C22-46AA-BD27-092C3034C246}" type="datetimeFigureOut">
               <a:rPr kumimoji="1" lang="ja-JP" altLang="en-US" smtClean="0"/>
-              <a:t>2018/8/7</a:t>
+              <a:t>2018/9/18</a:t>
             </a:fld>
             <a:endParaRPr kumimoji="1" lang="ja-JP" altLang="en-US"/>
           </a:p>
@@ -1150,7 +1167,7 @@
           <a:p>
             <a:fld id="{3328CF14-3C22-46AA-BD27-092C3034C246}" type="datetimeFigureOut">
               <a:rPr kumimoji="1" lang="ja-JP" altLang="en-US" smtClean="0"/>
-              <a:t>2018/8/7</a:t>
+              <a:t>2018/9/18</a:t>
             </a:fld>
             <a:endParaRPr kumimoji="1" lang="ja-JP" altLang="en-US"/>
           </a:p>
@@ -1502,7 +1519,7 @@
           <a:p>
             <a:fld id="{3328CF14-3C22-46AA-BD27-092C3034C246}" type="datetimeFigureOut">
               <a:rPr kumimoji="1" lang="ja-JP" altLang="en-US" smtClean="0"/>
-              <a:t>2018/8/7</a:t>
+              <a:t>2018/9/18</a:t>
             </a:fld>
             <a:endParaRPr kumimoji="1" lang="ja-JP" altLang="en-US"/>
           </a:p>
@@ -1988,7 +2005,7 @@
           <a:p>
             <a:fld id="{3328CF14-3C22-46AA-BD27-092C3034C246}" type="datetimeFigureOut">
               <a:rPr kumimoji="1" lang="ja-JP" altLang="en-US" smtClean="0"/>
-              <a:t>2018/8/7</a:t>
+              <a:t>2018/9/18</a:t>
             </a:fld>
             <a:endParaRPr kumimoji="1" lang="ja-JP" altLang="en-US"/>
           </a:p>
@@ -2106,7 +2123,7 @@
           <a:p>
             <a:fld id="{3328CF14-3C22-46AA-BD27-092C3034C246}" type="datetimeFigureOut">
               <a:rPr kumimoji="1" lang="ja-JP" altLang="en-US" smtClean="0"/>
-              <a:t>2018/8/7</a:t>
+              <a:t>2018/9/18</a:t>
             </a:fld>
             <a:endParaRPr kumimoji="1" lang="ja-JP" altLang="en-US"/>
           </a:p>
@@ -2201,7 +2218,7 @@
           <a:p>
             <a:fld id="{3328CF14-3C22-46AA-BD27-092C3034C246}" type="datetimeFigureOut">
               <a:rPr kumimoji="1" lang="ja-JP" altLang="en-US" smtClean="0"/>
-              <a:t>2018/8/7</a:t>
+              <a:t>2018/9/18</a:t>
             </a:fld>
             <a:endParaRPr kumimoji="1" lang="ja-JP" altLang="en-US"/>
           </a:p>
@@ -2510,7 +2527,7 @@
           <a:p>
             <a:fld id="{3328CF14-3C22-46AA-BD27-092C3034C246}" type="datetimeFigureOut">
               <a:rPr kumimoji="1" lang="ja-JP" altLang="en-US" smtClean="0"/>
-              <a:t>2018/8/7</a:t>
+              <a:t>2018/9/18</a:t>
             </a:fld>
             <a:endParaRPr kumimoji="1" lang="ja-JP" altLang="en-US"/>
           </a:p>
@@ -2763,7 +2780,7 @@
           <a:p>
             <a:fld id="{3328CF14-3C22-46AA-BD27-092C3034C246}" type="datetimeFigureOut">
               <a:rPr kumimoji="1" lang="ja-JP" altLang="en-US" smtClean="0"/>
-              <a:t>2018/8/7</a:t>
+              <a:t>2018/9/18</a:t>
             </a:fld>
             <a:endParaRPr kumimoji="1" lang="ja-JP" altLang="en-US"/>
           </a:p>
@@ -3008,7 +3025,7 @@
           <a:p>
             <a:fld id="{3328CF14-3C22-46AA-BD27-092C3034C246}" type="datetimeFigureOut">
               <a:rPr kumimoji="1" lang="ja-JP" altLang="en-US" smtClean="0"/>
-              <a:t>2018/8/7</a:t>
+              <a:t>2018/9/18</a:t>
             </a:fld>
             <a:endParaRPr kumimoji="1" lang="ja-JP" altLang="en-US"/>
           </a:p>
@@ -3367,6 +3384,304 @@
 </file>
 
 <file path=ppt/slides/slide1.xml><?xml version="1.0" encoding="utf-8"?>
+<p:sld xmlns:a="http://schemas.openxmlformats.org/drawingml/2006/main" xmlns:r="http://schemas.openxmlformats.org/officeDocument/2006/relationships" xmlns:p="http://schemas.openxmlformats.org/presentationml/2006/main">
+  <p:cSld>
+    <p:spTree>
+      <p:nvGrpSpPr>
+        <p:cNvPr id="1" name=""/>
+        <p:cNvGrpSpPr/>
+        <p:nvPr/>
+      </p:nvGrpSpPr>
+      <p:grpSpPr>
+        <a:xfrm>
+          <a:off x="0" y="0"/>
+          <a:ext cx="0" cy="0"/>
+          <a:chOff x="0" y="0"/>
+          <a:chExt cx="0" cy="0"/>
+        </a:xfrm>
+      </p:grpSpPr>
+      <p:pic>
+        <p:nvPicPr>
+          <p:cNvPr id="2" name="Picture 2"/>
+          <p:cNvPicPr>
+            <a:picLocks noChangeAspect="1" noChangeArrowheads="1"/>
+          </p:cNvPicPr>
+          <p:nvPr/>
+        </p:nvPicPr>
+        <p:blipFill rotWithShape="1">
+          <a:blip r:embed="rId2">
+            <a:extLst>
+              <a:ext uri="{28A0092B-C50C-407E-A947-70E740481C1C}">
+                <a14:useLocalDpi xmlns:a14="http://schemas.microsoft.com/office/drawing/2010/main" val="0"/>
+              </a:ext>
+            </a:extLst>
+          </a:blip>
+          <a:srcRect l="25394" t="10497" r="26159" b="5322"/>
+          <a:stretch/>
+        </p:blipFill>
+        <p:spPr bwMode="auto">
+          <a:xfrm>
+            <a:off x="942567" y="661129"/>
+            <a:ext cx="5962721" cy="5827970"/>
+          </a:xfrm>
+          <a:prstGeom prst="rect">
+            <a:avLst/>
+          </a:prstGeom>
+          <a:noFill/>
+          <a:ln>
+            <a:noFill/>
+          </a:ln>
+          <a:extLst>
+            <a:ext uri="{909E8E84-426E-40DD-AFC4-6F175D3DCCD1}">
+              <a14:hiddenFill xmlns:a14="http://schemas.microsoft.com/office/drawing/2010/main">
+                <a:solidFill>
+                  <a:schemeClr val="accent1"/>
+                </a:solidFill>
+              </a14:hiddenFill>
+            </a:ext>
+            <a:ext uri="{91240B29-F687-4F45-9708-019B960494DF}">
+              <a14:hiddenLine xmlns:a14="http://schemas.microsoft.com/office/drawing/2010/main" w="9525">
+                <a:solidFill>
+                  <a:schemeClr val="tx1"/>
+                </a:solidFill>
+                <a:miter lim="800000"/>
+                <a:headEnd/>
+                <a:tailEnd/>
+              </a14:hiddenLine>
+            </a:ext>
+          </a:extLst>
+        </p:spPr>
+      </p:pic>
+      <p:sp>
+        <p:nvSpPr>
+          <p:cNvPr id="15" name="円/楕円 14"/>
+          <p:cNvSpPr/>
+          <p:nvPr/>
+        </p:nvSpPr>
+        <p:spPr>
+          <a:xfrm>
+            <a:off x="3371917" y="5001076"/>
+            <a:ext cx="552010" cy="212616"/>
+          </a:xfrm>
+          <a:prstGeom prst="ellipse">
+            <a:avLst/>
+          </a:prstGeom>
+          <a:noFill/>
+          <a:ln>
+            <a:solidFill>
+              <a:srgbClr val="FF0000"/>
+            </a:solidFill>
+          </a:ln>
+        </p:spPr>
+        <p:style>
+          <a:lnRef idx="2">
+            <a:schemeClr val="accent1">
+              <a:shade val="50000"/>
+            </a:schemeClr>
+          </a:lnRef>
+          <a:fillRef idx="1">
+            <a:schemeClr val="accent1"/>
+          </a:fillRef>
+          <a:effectRef idx="0">
+            <a:schemeClr val="accent1"/>
+          </a:effectRef>
+          <a:fontRef idx="minor">
+            <a:schemeClr val="lt1"/>
+          </a:fontRef>
+        </p:style>
+        <p:txBody>
+          <a:bodyPr rtlCol="0" anchor="ctr"/>
+          <a:lstStyle/>
+          <a:p>
+            <a:pPr algn="ctr"/>
+            <a:endParaRPr kumimoji="1" lang="ja-JP" altLang="en-US"/>
+          </a:p>
+        </p:txBody>
+      </p:sp>
+      <p:cxnSp>
+        <p:nvCxnSpPr>
+          <p:cNvPr id="16" name="直線矢印コネクタ 15"/>
+          <p:cNvCxnSpPr/>
+          <p:nvPr/>
+        </p:nvCxnSpPr>
+        <p:spPr>
+          <a:xfrm>
+            <a:off x="3881537" y="5180706"/>
+            <a:ext cx="546447" cy="120502"/>
+          </a:xfrm>
+          <a:prstGeom prst="straightConnector1">
+            <a:avLst/>
+          </a:prstGeom>
+          <a:ln w="28575">
+            <a:solidFill>
+              <a:srgbClr val="FF0000"/>
+            </a:solidFill>
+            <a:tailEnd type="arrow"/>
+          </a:ln>
+        </p:spPr>
+        <p:style>
+          <a:lnRef idx="1">
+            <a:schemeClr val="accent1"/>
+          </a:lnRef>
+          <a:fillRef idx="0">
+            <a:schemeClr val="accent1"/>
+          </a:fillRef>
+          <a:effectRef idx="0">
+            <a:schemeClr val="accent1"/>
+          </a:effectRef>
+          <a:fontRef idx="minor">
+            <a:schemeClr val="tx1"/>
+          </a:fontRef>
+        </p:style>
+      </p:cxnSp>
+      <p:sp>
+        <p:nvSpPr>
+          <p:cNvPr id="17" name="テキスト ボックス 16"/>
+          <p:cNvSpPr txBox="1"/>
+          <p:nvPr/>
+        </p:nvSpPr>
+        <p:spPr>
+          <a:xfrm>
+            <a:off x="4427984" y="5219000"/>
+            <a:ext cx="2813591" cy="369332"/>
+          </a:xfrm>
+          <a:prstGeom prst="rect">
+            <a:avLst/>
+          </a:prstGeom>
+          <a:noFill/>
+        </p:spPr>
+        <p:txBody>
+          <a:bodyPr wrap="none" rtlCol="0">
+            <a:spAutoFit/>
+          </a:bodyPr>
+          <a:lstStyle/>
+          <a:p>
+            <a:r>
+              <a:rPr lang="ja-JP" altLang="en-US" dirty="0" smtClean="0">
+                <a:solidFill>
+                  <a:srgbClr val="FF0000"/>
+                </a:solidFill>
+              </a:rPr>
+              <a:t>（本社工場</a:t>
+            </a:r>
+            <a:r>
+              <a:rPr lang="en-US" altLang="ja-JP" dirty="0" smtClean="0">
+                <a:solidFill>
+                  <a:srgbClr val="FF0000"/>
+                </a:solidFill>
+              </a:rPr>
+              <a:t>/</a:t>
+            </a:r>
+            <a:r>
+              <a:rPr lang="ja-JP" altLang="en-US" dirty="0" smtClean="0">
+                <a:solidFill>
+                  <a:srgbClr val="FF0000"/>
+                </a:solidFill>
+              </a:rPr>
+              <a:t>大分中津工場）</a:t>
+            </a:r>
+            <a:endParaRPr kumimoji="1" lang="ja-JP" altLang="en-US" dirty="0">
+              <a:solidFill>
+                <a:srgbClr val="FF0000"/>
+              </a:solidFill>
+            </a:endParaRPr>
+          </a:p>
+        </p:txBody>
+      </p:sp>
+      <p:sp>
+        <p:nvSpPr>
+          <p:cNvPr id="29" name="テキスト ボックス 28"/>
+          <p:cNvSpPr txBox="1"/>
+          <p:nvPr/>
+        </p:nvSpPr>
+        <p:spPr>
+          <a:xfrm>
+            <a:off x="252658" y="179348"/>
+            <a:ext cx="2820003" cy="461665"/>
+          </a:xfrm>
+          <a:prstGeom prst="rect">
+            <a:avLst/>
+          </a:prstGeom>
+          <a:solidFill>
+            <a:srgbClr val="00B050"/>
+          </a:solidFill>
+        </p:spPr>
+        <p:txBody>
+          <a:bodyPr wrap="none" rtlCol="0">
+            <a:spAutoFit/>
+          </a:bodyPr>
+          <a:lstStyle/>
+          <a:p>
+            <a:r>
+              <a:rPr kumimoji="1" lang="en-US" altLang="ja-JP" sz="2400" b="1" dirty="0" smtClean="0">
+                <a:solidFill>
+                  <a:schemeClr val="bg1"/>
+                </a:solidFill>
+              </a:rPr>
+              <a:t>2018</a:t>
+            </a:r>
+            <a:r>
+              <a:rPr kumimoji="1" lang="ja-JP" altLang="en-US" sz="2400" b="1" dirty="0" smtClean="0">
+                <a:solidFill>
+                  <a:schemeClr val="bg1"/>
+                </a:solidFill>
+              </a:rPr>
+              <a:t>年</a:t>
+            </a:r>
+            <a:r>
+              <a:rPr lang="en-US" altLang="ja-JP" sz="2400" b="1" dirty="0">
+                <a:solidFill>
+                  <a:schemeClr val="bg1"/>
+                </a:solidFill>
+              </a:rPr>
+              <a:t>9</a:t>
+            </a:r>
+            <a:r>
+              <a:rPr kumimoji="1" lang="ja-JP" altLang="en-US" sz="2400" b="1" dirty="0" smtClean="0">
+                <a:solidFill>
+                  <a:schemeClr val="bg1"/>
+                </a:solidFill>
+              </a:rPr>
+              <a:t>月</a:t>
+            </a:r>
+            <a:r>
+              <a:rPr lang="en-US" altLang="ja-JP" sz="2400" b="1" dirty="0">
+                <a:solidFill>
+                  <a:schemeClr val="bg1"/>
+                </a:solidFill>
+              </a:rPr>
+              <a:t>17</a:t>
+            </a:r>
+            <a:r>
+              <a:rPr kumimoji="1" lang="ja-JP" altLang="en-US" sz="2400" b="1" dirty="0" smtClean="0">
+                <a:solidFill>
+                  <a:schemeClr val="bg1"/>
+                </a:solidFill>
+              </a:rPr>
+              <a:t>日依頼</a:t>
+            </a:r>
+            <a:endParaRPr kumimoji="1" lang="ja-JP" altLang="en-US" sz="2400" b="1" dirty="0">
+              <a:solidFill>
+                <a:schemeClr val="bg1"/>
+              </a:solidFill>
+            </a:endParaRPr>
+          </a:p>
+        </p:txBody>
+      </p:sp>
+    </p:spTree>
+    <p:extLst>
+      <p:ext uri="{BB962C8B-B14F-4D97-AF65-F5344CB8AC3E}">
+        <p14:creationId xmlns:p14="http://schemas.microsoft.com/office/powerpoint/2010/main" val="1004178630"/>
+      </p:ext>
+    </p:extLst>
+  </p:cSld>
+  <p:clrMapOvr>
+    <a:masterClrMapping/>
+  </p:clrMapOvr>
+</p:sld>
+</file>
+
+<file path=ppt/slides/slide2.xml><?xml version="1.0" encoding="utf-8"?>
 <p:sld xmlns:a="http://schemas.openxmlformats.org/drawingml/2006/main" xmlns:r="http://schemas.openxmlformats.org/officeDocument/2006/relationships" xmlns:p="http://schemas.openxmlformats.org/presentationml/2006/main">
   <p:cSld>
     <p:spTree>
